--- a/stock_and_housing_Proj1.pptx
+++ b/stock_and_housing_Proj1.pptx
@@ -14,8 +14,9 @@
     <p:sldId id="264" r:id="rId8"/>
     <p:sldId id="265" r:id="rId9"/>
     <p:sldId id="266" r:id="rId10"/>
-    <p:sldId id="262" r:id="rId11"/>
-    <p:sldId id="263" r:id="rId12"/>
+    <p:sldId id="267" r:id="rId11"/>
+    <p:sldId id="262" r:id="rId12"/>
+    <p:sldId id="263" r:id="rId13"/>
   </p:sldIdLst>
   <p:sldSz cx="12192000" cy="6858000"/>
   <p:notesSz cx="6858000" cy="9144000"/>
@@ -114,7 +115,24 @@
       </a:defRPr>
     </a:lvl9pPr>
   </p:defaultTextStyle>
+  <p:extLst>
+    <p:ext uri="{EFAFB233-063F-42B5-8137-9DF3F51BA10A}">
+      <p15:sldGuideLst xmlns:p15="http://schemas.microsoft.com/office/powerpoint/2012/main"/>
+    </p:ext>
+  </p:extLst>
 </p:presentation>
+</file>
+
+<file path=ppt/commentAuthors.xml><?xml version="1.0" encoding="utf-8"?>
+<p:cmAuthorLst xmlns:a="http://schemas.openxmlformats.org/drawingml/2006/main" xmlns:r="http://schemas.openxmlformats.org/officeDocument/2006/relationships" xmlns:p="http://schemas.openxmlformats.org/presentationml/2006/main">
+  <p:cmAuthor id="1" name="casey24hill@gmail.com" initials="c" lastIdx="1" clrIdx="0">
+    <p:extLst>
+      <p:ext uri="{19B8F6BF-5375-455C-9EA6-DF929625EA0E}">
+        <p15:presenceInfo xmlns:p15="http://schemas.microsoft.com/office/powerpoint/2012/main" userId="ea777c9b0ac38f1e" providerId="Windows Live"/>
+      </p:ext>
+    </p:extLst>
+  </p:cmAuthor>
+</p:cmAuthorLst>
 </file>
 
 <file path=ppt/slideLayouts/slideLayout1.xml><?xml version="1.0" encoding="utf-8"?>
@@ -285,7 +303,7 @@
           <a:p>
             <a:fld id="{9737F289-89E6-45C0-A309-55574EBBAED7}" type="datetimeFigureOut">
               <a:rPr lang="en-US" smtClean="0"/>
-              <a:t>1/12/2019</a:t>
+              <a:t>1/13/2019</a:t>
             </a:fld>
             <a:endParaRPr lang="en-US"/>
           </a:p>
@@ -513,7 +531,7 @@
           <a:p>
             <a:fld id="{9737F289-89E6-45C0-A309-55574EBBAED7}" type="datetimeFigureOut">
               <a:rPr lang="en-US" smtClean="0"/>
-              <a:t>1/12/2019</a:t>
+              <a:t>1/13/2019</a:t>
             </a:fld>
             <a:endParaRPr lang="en-US"/>
           </a:p>
@@ -693,7 +711,7 @@
           <a:p>
             <a:fld id="{9737F289-89E6-45C0-A309-55574EBBAED7}" type="datetimeFigureOut">
               <a:rPr lang="en-US" smtClean="0"/>
-              <a:t>1/12/2019</a:t>
+              <a:t>1/13/2019</a:t>
             </a:fld>
             <a:endParaRPr lang="en-US"/>
           </a:p>
@@ -863,7 +881,7 @@
           <a:p>
             <a:fld id="{9737F289-89E6-45C0-A309-55574EBBAED7}" type="datetimeFigureOut">
               <a:rPr lang="en-US" smtClean="0"/>
-              <a:t>1/12/2019</a:t>
+              <a:t>1/13/2019</a:t>
             </a:fld>
             <a:endParaRPr lang="en-US"/>
           </a:p>
@@ -1117,7 +1135,7 @@
           <a:p>
             <a:fld id="{9737F289-89E6-45C0-A309-55574EBBAED7}" type="datetimeFigureOut">
               <a:rPr lang="en-US" smtClean="0"/>
-              <a:t>1/12/2019</a:t>
+              <a:t>1/13/2019</a:t>
             </a:fld>
             <a:endParaRPr lang="en-US"/>
           </a:p>
@@ -1443,7 +1461,7 @@
           <a:p>
             <a:fld id="{9737F289-89E6-45C0-A309-55574EBBAED7}" type="datetimeFigureOut">
               <a:rPr lang="en-US" smtClean="0"/>
-              <a:t>1/12/2019</a:t>
+              <a:t>1/13/2019</a:t>
             </a:fld>
             <a:endParaRPr lang="en-US"/>
           </a:p>
@@ -1894,7 +1912,7 @@
           <a:p>
             <a:fld id="{9737F289-89E6-45C0-A309-55574EBBAED7}" type="datetimeFigureOut">
               <a:rPr lang="en-US" smtClean="0"/>
-              <a:t>1/12/2019</a:t>
+              <a:t>1/13/2019</a:t>
             </a:fld>
             <a:endParaRPr lang="en-US"/>
           </a:p>
@@ -2012,7 +2030,7 @@
           <a:p>
             <a:fld id="{9737F289-89E6-45C0-A309-55574EBBAED7}" type="datetimeFigureOut">
               <a:rPr lang="en-US" smtClean="0"/>
-              <a:t>1/12/2019</a:t>
+              <a:t>1/13/2019</a:t>
             </a:fld>
             <a:endParaRPr lang="en-US"/>
           </a:p>
@@ -2107,7 +2125,7 @@
           <a:p>
             <a:fld id="{9737F289-89E6-45C0-A309-55574EBBAED7}" type="datetimeFigureOut">
               <a:rPr lang="en-US" smtClean="0"/>
-              <a:t>1/12/2019</a:t>
+              <a:t>1/13/2019</a:t>
             </a:fld>
             <a:endParaRPr lang="en-US"/>
           </a:p>
@@ -2394,7 +2412,7 @@
           <a:p>
             <a:fld id="{9737F289-89E6-45C0-A309-55574EBBAED7}" type="datetimeFigureOut">
               <a:rPr lang="en-US" smtClean="0"/>
-              <a:t>1/12/2019</a:t>
+              <a:t>1/13/2019</a:t>
             </a:fld>
             <a:endParaRPr lang="en-US"/>
           </a:p>
@@ -2716,7 +2734,7 @@
           <a:p>
             <a:fld id="{9737F289-89E6-45C0-A309-55574EBBAED7}" type="datetimeFigureOut">
               <a:rPr lang="en-US" smtClean="0"/>
-              <a:t>1/12/2019</a:t>
+              <a:t>1/13/2019</a:t>
             </a:fld>
             <a:endParaRPr lang="en-US"/>
           </a:p>
@@ -2970,7 +2988,7 @@
           <a:p>
             <a:fld id="{9737F289-89E6-45C0-A309-55574EBBAED7}" type="datetimeFigureOut">
               <a:rPr lang="en-US" smtClean="0"/>
-              <a:t>1/12/2019</a:t>
+              <a:t>1/13/2019</a:t>
             </a:fld>
             <a:endParaRPr lang="en-US"/>
           </a:p>
@@ -3571,6 +3589,177 @@
           <a:chExt cx="0" cy="0"/>
         </a:xfrm>
       </p:grpSpPr>
+      <p:pic>
+        <p:nvPicPr>
+          <p:cNvPr id="7" name="Picture 6" descr="A close up of a map&#10;&#10;Description automatically generated">
+            <a:extLst>
+              <a:ext uri="{FF2B5EF4-FFF2-40B4-BE49-F238E27FC236}">
+                <a16:creationId xmlns:a16="http://schemas.microsoft.com/office/drawing/2014/main" id="{C189A54F-F958-4DBA-BFAB-D9C7FD13B62E}"/>
+              </a:ext>
+            </a:extLst>
+          </p:cNvPr>
+          <p:cNvPicPr>
+            <a:picLocks noChangeAspect="1"/>
+          </p:cNvPicPr>
+          <p:nvPr/>
+        </p:nvPicPr>
+        <p:blipFill>
+          <a:blip r:embed="rId2">
+            <a:extLst>
+              <a:ext uri="{28A0092B-C50C-407E-A947-70E740481C1C}">
+                <a14:useLocalDpi xmlns:a14="http://schemas.microsoft.com/office/drawing/2010/main" val="0"/>
+              </a:ext>
+            </a:extLst>
+          </a:blip>
+          <a:stretch>
+            <a:fillRect/>
+          </a:stretch>
+        </p:blipFill>
+        <p:spPr>
+          <a:xfrm>
+            <a:off x="497286" y="0"/>
+            <a:ext cx="8988619" cy="6811713"/>
+          </a:xfrm>
+          <a:prstGeom prst="rect">
+            <a:avLst/>
+          </a:prstGeom>
+        </p:spPr>
+      </p:pic>
+      <p:sp>
+        <p:nvSpPr>
+          <p:cNvPr id="8" name="Rectangle 7">
+            <a:extLst>
+              <a:ext uri="{FF2B5EF4-FFF2-40B4-BE49-F238E27FC236}">
+                <a16:creationId xmlns:a16="http://schemas.microsoft.com/office/drawing/2014/main" id="{D3BF7C90-5346-454B-BF96-9A141B369BB5}"/>
+              </a:ext>
+            </a:extLst>
+          </p:cNvPr>
+          <p:cNvSpPr/>
+          <p:nvPr/>
+        </p:nvSpPr>
+        <p:spPr>
+          <a:xfrm>
+            <a:off x="8749086" y="5623070"/>
+            <a:ext cx="6096000" cy="923330"/>
+          </a:xfrm>
+          <a:prstGeom prst="rect">
+            <a:avLst/>
+          </a:prstGeom>
+        </p:spPr>
+        <p:txBody>
+          <a:bodyPr>
+            <a:spAutoFit/>
+          </a:bodyPr>
+          <a:lstStyle/>
+          <a:p>
+            <a:endParaRPr lang="en-US" dirty="0"/>
+          </a:p>
+          <a:p>
+            <a:r>
+              <a:rPr lang="en-US" dirty="0">
+                <a:latin typeface="Arial Nova Cond" panose="020B0506020202020204" pitchFamily="34" charset="0"/>
+              </a:rPr>
+              <a:t>Pearson r : 0.723121846 </a:t>
+            </a:r>
+            <a:r>
+              <a:rPr lang="en-US" dirty="0">
+                <a:solidFill>
+                  <a:srgbClr val="000000"/>
+                </a:solidFill>
+                <a:latin typeface="Arial Nova Cond" panose="020B0506020202020204" pitchFamily="34" charset="0"/>
+              </a:rPr>
+              <a:t> </a:t>
+            </a:r>
+          </a:p>
+          <a:p>
+            <a:r>
+              <a:rPr lang="en-US" dirty="0">
+                <a:latin typeface="Arial Nova Cond" panose="020B0506020202020204" pitchFamily="34" charset="0"/>
+              </a:rPr>
+              <a:t>P Value : 1.23E-22 </a:t>
+            </a:r>
+          </a:p>
+        </p:txBody>
+      </p:sp>
+      <p:sp>
+        <p:nvSpPr>
+          <p:cNvPr id="11" name="TextBox 10">
+            <a:extLst>
+              <a:ext uri="{FF2B5EF4-FFF2-40B4-BE49-F238E27FC236}">
+                <a16:creationId xmlns:a16="http://schemas.microsoft.com/office/drawing/2014/main" id="{1C549C03-3865-415D-8E2A-F8AA0686C63C}"/>
+              </a:ext>
+            </a:extLst>
+          </p:cNvPr>
+          <p:cNvSpPr txBox="1"/>
+          <p:nvPr/>
+        </p:nvSpPr>
+        <p:spPr>
+          <a:xfrm>
+            <a:off x="8749086" y="3164619"/>
+            <a:ext cx="2638178" cy="923330"/>
+          </a:xfrm>
+          <a:prstGeom prst="rect">
+            <a:avLst/>
+          </a:prstGeom>
+          <a:noFill/>
+        </p:spPr>
+        <p:txBody>
+          <a:bodyPr wrap="square" rtlCol="0">
+            <a:spAutoFit/>
+          </a:bodyPr>
+          <a:lstStyle/>
+          <a:p>
+            <a:r>
+              <a:rPr lang="en-US" dirty="0">
+                <a:latin typeface="Arial Nova Cond" panose="020B0506020202020204" pitchFamily="34" charset="0"/>
+              </a:rPr>
+              <a:t>Exxon Mobile is the 9</a:t>
+            </a:r>
+            <a:r>
+              <a:rPr lang="en-US" baseline="30000" dirty="0">
+                <a:latin typeface="Arial Nova Cond" panose="020B0506020202020204" pitchFamily="34" charset="0"/>
+              </a:rPr>
+              <a:t>th</a:t>
+            </a:r>
+            <a:r>
+              <a:rPr lang="en-US" dirty="0">
+                <a:latin typeface="Arial Nova Cond" panose="020B0506020202020204" pitchFamily="34" charset="0"/>
+              </a:rPr>
+              <a:t> largest company by revenue</a:t>
+            </a:r>
+          </a:p>
+        </p:txBody>
+      </p:sp>
+    </p:spTree>
+    <p:extLst>
+      <p:ext uri="{BB962C8B-B14F-4D97-AF65-F5344CB8AC3E}">
+        <p14:creationId xmlns:p14="http://schemas.microsoft.com/office/powerpoint/2010/main" val="1680070641"/>
+      </p:ext>
+    </p:extLst>
+  </p:cSld>
+  <p:clrMapOvr>
+    <a:masterClrMapping/>
+  </p:clrMapOvr>
+</p:sld>
+</file>
+
+<file path=ppt/slides/slide11.xml><?xml version="1.0" encoding="utf-8"?>
+<p:sld xmlns:a="http://schemas.openxmlformats.org/drawingml/2006/main" xmlns:r="http://schemas.openxmlformats.org/officeDocument/2006/relationships" xmlns:p="http://schemas.openxmlformats.org/presentationml/2006/main">
+  <p:cSld>
+    <p:spTree>
+      <p:nvGrpSpPr>
+        <p:cNvPr id="1" name=""/>
+        <p:cNvGrpSpPr/>
+        <p:nvPr/>
+      </p:nvGrpSpPr>
+      <p:grpSpPr>
+        <a:xfrm>
+          <a:off x="0" y="0"/>
+          <a:ext cx="0" cy="0"/>
+          <a:chOff x="0" y="0"/>
+          <a:chExt cx="0" cy="0"/>
+        </a:xfrm>
+      </p:grpSpPr>
       <p:sp>
         <p:nvSpPr>
           <p:cNvPr id="2" name="Title 1">
@@ -3637,7 +3826,7 @@
 </p:sld>
 </file>
 
-<file path=ppt/slides/slide11.xml><?xml version="1.0" encoding="utf-8"?>
+<file path=ppt/slides/slide12.xml><?xml version="1.0" encoding="utf-8"?>
 <p:sld xmlns:a="http://schemas.openxmlformats.org/drawingml/2006/main" xmlns:r="http://schemas.openxmlformats.org/officeDocument/2006/relationships" xmlns:p="http://schemas.openxmlformats.org/presentationml/2006/main">
   <p:cSld>
     <p:spTree>
@@ -4111,41 +4300,92 @@
         </p:nvSpPr>
         <p:spPr/>
         <p:txBody>
-          <a:bodyPr/>
-          <a:lstStyle/>
-          <a:p>
+          <a:bodyPr>
+            <a:normAutofit/>
+          </a:bodyPr>
+          <a:lstStyle/>
+          <a:p>
+            <a:pPr algn="ctr"/>
             <a:r>
               <a:rPr lang="en-US" dirty="0"/>
               <a:t>Analysis</a:t>
             </a:r>
-          </a:p>
-        </p:txBody>
-      </p:sp>
-      <p:sp>
-        <p:nvSpPr>
-          <p:cNvPr id="3" name="Content Placeholder 2">
+            <a:endParaRPr lang="en-US" sz="1300" dirty="0"/>
+          </a:p>
+        </p:txBody>
+      </p:sp>
+      <p:pic>
+        <p:nvPicPr>
+          <p:cNvPr id="9" name="Picture 8">
             <a:extLst>
               <a:ext uri="{FF2B5EF4-FFF2-40B4-BE49-F238E27FC236}">
-                <a16:creationId xmlns:a16="http://schemas.microsoft.com/office/drawing/2014/main" id="{481B056D-61CD-4634-8A39-281814B402D0}"/>
+                <a16:creationId xmlns:a16="http://schemas.microsoft.com/office/drawing/2014/main" id="{53E3991E-6A0E-407C-8CC5-25A6A74461D7}"/>
               </a:ext>
             </a:extLst>
           </p:cNvPr>
-          <p:cNvSpPr>
-            <a:spLocks noGrp="1"/>
-          </p:cNvSpPr>
-          <p:nvPr>
-            <p:ph idx="1"/>
-          </p:nvPr>
-        </p:nvSpPr>
-        <p:spPr/>
-        <p:txBody>
-          <a:bodyPr/>
-          <a:lstStyle/>
-          <a:p>
-            <a:endParaRPr lang="en-US"/>
-          </a:p>
-        </p:txBody>
-      </p:sp>
+          <p:cNvPicPr>
+            <a:picLocks noChangeAspect="1"/>
+          </p:cNvPicPr>
+          <p:nvPr/>
+        </p:nvPicPr>
+        <p:blipFill>
+          <a:blip r:embed="rId2">
+            <a:extLst>
+              <a:ext uri="{28A0092B-C50C-407E-A947-70E740481C1C}">
+                <a14:useLocalDpi xmlns:a14="http://schemas.microsoft.com/office/drawing/2010/main" val="0"/>
+              </a:ext>
+            </a:extLst>
+          </a:blip>
+          <a:stretch>
+            <a:fillRect/>
+          </a:stretch>
+        </p:blipFill>
+        <p:spPr>
+          <a:xfrm>
+            <a:off x="6813647" y="2021953"/>
+            <a:ext cx="4048812" cy="4048812"/>
+          </a:xfrm>
+          <a:prstGeom prst="rect">
+            <a:avLst/>
+          </a:prstGeom>
+        </p:spPr>
+      </p:pic>
+      <p:pic>
+        <p:nvPicPr>
+          <p:cNvPr id="11" name="Picture 10">
+            <a:extLst>
+              <a:ext uri="{FF2B5EF4-FFF2-40B4-BE49-F238E27FC236}">
+                <a16:creationId xmlns:a16="http://schemas.microsoft.com/office/drawing/2014/main" id="{E7F9A2B8-8FA9-48AA-B495-1F4DE8EE5974}"/>
+              </a:ext>
+            </a:extLst>
+          </p:cNvPr>
+          <p:cNvPicPr>
+            <a:picLocks noChangeAspect="1"/>
+          </p:cNvPicPr>
+          <p:nvPr/>
+        </p:nvPicPr>
+        <p:blipFill>
+          <a:blip r:embed="rId3">
+            <a:extLst>
+              <a:ext uri="{28A0092B-C50C-407E-A947-70E740481C1C}">
+                <a14:useLocalDpi xmlns:a14="http://schemas.microsoft.com/office/drawing/2010/main" val="0"/>
+              </a:ext>
+            </a:extLst>
+          </a:blip>
+          <a:stretch>
+            <a:fillRect/>
+          </a:stretch>
+        </p:blipFill>
+        <p:spPr>
+          <a:xfrm>
+            <a:off x="0" y="2021953"/>
+            <a:ext cx="6765282" cy="3865875"/>
+          </a:xfrm>
+          <a:prstGeom prst="rect">
+            <a:avLst/>
+          </a:prstGeom>
+        </p:spPr>
+      </p:pic>
     </p:spTree>
     <p:extLst>
       <p:ext uri="{BB962C8B-B14F-4D97-AF65-F5344CB8AC3E}">
@@ -4176,53 +4416,275 @@
           <a:chExt cx="0" cy="0"/>
         </a:xfrm>
       </p:grpSpPr>
-      <p:sp>
-        <p:nvSpPr>
-          <p:cNvPr id="2" name="Title 1">
+      <p:pic>
+        <p:nvPicPr>
+          <p:cNvPr id="5" name="Picture 4">
             <a:extLst>
               <a:ext uri="{FF2B5EF4-FFF2-40B4-BE49-F238E27FC236}">
-                <a16:creationId xmlns:a16="http://schemas.microsoft.com/office/drawing/2014/main" id="{ED842D29-93BF-4779-AC26-650FD574AC37}"/>
+                <a16:creationId xmlns:a16="http://schemas.microsoft.com/office/drawing/2014/main" id="{BF29C57B-927C-4BFC-BC7E-DA8D60D1CB10}"/>
               </a:ext>
             </a:extLst>
           </p:cNvPr>
-          <p:cNvSpPr>
-            <a:spLocks noGrp="1"/>
-          </p:cNvSpPr>
-          <p:nvPr>
-            <p:ph type="title"/>
-          </p:nvPr>
-        </p:nvSpPr>
-        <p:spPr/>
-        <p:txBody>
-          <a:bodyPr/>
-          <a:lstStyle/>
-          <a:p>
-            <a:endParaRPr lang="en-US"/>
-          </a:p>
-        </p:txBody>
-      </p:sp>
-      <p:sp>
-        <p:nvSpPr>
-          <p:cNvPr id="3" name="Content Placeholder 2">
+          <p:cNvPicPr>
+            <a:picLocks noChangeAspect="1"/>
+          </p:cNvPicPr>
+          <p:nvPr/>
+        </p:nvPicPr>
+        <p:blipFill>
+          <a:blip r:embed="rId2">
+            <a:extLst>
+              <a:ext uri="{28A0092B-C50C-407E-A947-70E740481C1C}">
+                <a14:useLocalDpi xmlns:a14="http://schemas.microsoft.com/office/drawing/2010/main" val="0"/>
+              </a:ext>
+            </a:extLst>
+          </a:blip>
+          <a:stretch>
+            <a:fillRect/>
+          </a:stretch>
+        </p:blipFill>
+        <p:spPr>
+          <a:xfrm>
+            <a:off x="485030" y="26373"/>
+            <a:ext cx="8794142" cy="6768905"/>
+          </a:xfrm>
+          <a:prstGeom prst="rect">
+            <a:avLst/>
+          </a:prstGeom>
+        </p:spPr>
+      </p:pic>
+      <p:sp>
+        <p:nvSpPr>
+          <p:cNvPr id="8" name="Oval 7">
             <a:extLst>
               <a:ext uri="{FF2B5EF4-FFF2-40B4-BE49-F238E27FC236}">
-                <a16:creationId xmlns:a16="http://schemas.microsoft.com/office/drawing/2014/main" id="{E8F7ECB8-B958-4CA6-9F5A-467B7905351D}"/>
+                <a16:creationId xmlns:a16="http://schemas.microsoft.com/office/drawing/2014/main" id="{A24D14D8-B82B-4CBB-B07D-1D154616C868}"/>
               </a:ext>
             </a:extLst>
           </p:cNvPr>
-          <p:cNvSpPr>
-            <a:spLocks noGrp="1"/>
-          </p:cNvSpPr>
-          <p:nvPr>
-            <p:ph idx="1"/>
-          </p:nvPr>
-        </p:nvSpPr>
-        <p:spPr/>
-        <p:txBody>
-          <a:bodyPr/>
-          <a:lstStyle/>
-          <a:p>
+          <p:cNvSpPr/>
+          <p:nvPr/>
+        </p:nvSpPr>
+        <p:spPr>
+          <a:xfrm>
+            <a:off x="3790950" y="5222875"/>
+            <a:ext cx="609600" cy="527050"/>
+          </a:xfrm>
+          <a:prstGeom prst="ellipse">
+            <a:avLst/>
+          </a:prstGeom>
+          <a:solidFill>
+            <a:srgbClr val="FFFF00">
+              <a:alpha val="44000"/>
+            </a:srgbClr>
+          </a:solidFill>
+          <a:ln>
+            <a:solidFill>
+              <a:srgbClr val="FFFF00"/>
+            </a:solidFill>
+          </a:ln>
+        </p:spPr>
+        <p:style>
+          <a:lnRef idx="2">
+            <a:schemeClr val="accent1">
+              <a:shade val="50000"/>
+            </a:schemeClr>
+          </a:lnRef>
+          <a:fillRef idx="1">
+            <a:schemeClr val="accent1"/>
+          </a:fillRef>
+          <a:effectRef idx="0">
+            <a:schemeClr val="accent1"/>
+          </a:effectRef>
+          <a:fontRef idx="minor">
+            <a:schemeClr val="lt1"/>
+          </a:fontRef>
+        </p:style>
+        <p:txBody>
+          <a:bodyPr rtlCol="0" anchor="ctr"/>
+          <a:lstStyle/>
+          <a:p>
+            <a:pPr algn="ctr"/>
             <a:endParaRPr lang="en-US"/>
+          </a:p>
+        </p:txBody>
+      </p:sp>
+      <p:sp>
+        <p:nvSpPr>
+          <p:cNvPr id="9" name="Oval 8">
+            <a:extLst>
+              <a:ext uri="{FF2B5EF4-FFF2-40B4-BE49-F238E27FC236}">
+                <a16:creationId xmlns:a16="http://schemas.microsoft.com/office/drawing/2014/main" id="{1C2E6536-0373-4A0E-8417-169ABFA30F05}"/>
+              </a:ext>
+            </a:extLst>
+          </p:cNvPr>
+          <p:cNvSpPr/>
+          <p:nvPr/>
+        </p:nvSpPr>
+        <p:spPr>
+          <a:xfrm>
+            <a:off x="8528803" y="3229851"/>
+            <a:ext cx="196850" cy="180975"/>
+          </a:xfrm>
+          <a:prstGeom prst="ellipse">
+            <a:avLst/>
+          </a:prstGeom>
+          <a:solidFill>
+            <a:srgbClr val="FFFF00">
+              <a:alpha val="44000"/>
+            </a:srgbClr>
+          </a:solidFill>
+          <a:ln>
+            <a:solidFill>
+              <a:schemeClr val="bg2"/>
+            </a:solidFill>
+          </a:ln>
+        </p:spPr>
+        <p:style>
+          <a:lnRef idx="2">
+            <a:schemeClr val="accent1">
+              <a:shade val="50000"/>
+            </a:schemeClr>
+          </a:lnRef>
+          <a:fillRef idx="1">
+            <a:schemeClr val="accent1"/>
+          </a:fillRef>
+          <a:effectRef idx="0">
+            <a:schemeClr val="accent1"/>
+          </a:effectRef>
+          <a:fontRef idx="minor">
+            <a:schemeClr val="lt1"/>
+          </a:fontRef>
+        </p:style>
+        <p:txBody>
+          <a:bodyPr rtlCol="0" anchor="ctr"/>
+          <a:lstStyle/>
+          <a:p>
+            <a:pPr algn="ctr"/>
+            <a:endParaRPr lang="en-US"/>
+          </a:p>
+        </p:txBody>
+      </p:sp>
+      <p:sp>
+        <p:nvSpPr>
+          <p:cNvPr id="10" name="TextBox 9">
+            <a:extLst>
+              <a:ext uri="{FF2B5EF4-FFF2-40B4-BE49-F238E27FC236}">
+                <a16:creationId xmlns:a16="http://schemas.microsoft.com/office/drawing/2014/main" id="{97DDA6F8-7EDE-43E2-B5AA-415D2641A6F0}"/>
+              </a:ext>
+            </a:extLst>
+          </p:cNvPr>
+          <p:cNvSpPr txBox="1"/>
+          <p:nvPr/>
+        </p:nvSpPr>
+        <p:spPr>
+          <a:xfrm>
+            <a:off x="8572500" y="3129865"/>
+            <a:ext cx="2393950" cy="646331"/>
+          </a:xfrm>
+          <a:prstGeom prst="rect">
+            <a:avLst/>
+          </a:prstGeom>
+          <a:noFill/>
+        </p:spPr>
+        <p:txBody>
+          <a:bodyPr wrap="square" rtlCol="0">
+            <a:spAutoFit/>
+          </a:bodyPr>
+          <a:lstStyle/>
+          <a:p>
+            <a:pPr algn="ctr"/>
+            <a:r>
+              <a:rPr lang="en-US" dirty="0">
+                <a:latin typeface="Arial Nova Cond" panose="020B0604020202020204" pitchFamily="34" charset="0"/>
+              </a:rPr>
+              <a:t>The Financial Crash of 2008-2009</a:t>
+            </a:r>
+          </a:p>
+        </p:txBody>
+      </p:sp>
+      <p:sp>
+        <p:nvSpPr>
+          <p:cNvPr id="11" name="Rectangle 10">
+            <a:extLst>
+              <a:ext uri="{FF2B5EF4-FFF2-40B4-BE49-F238E27FC236}">
+                <a16:creationId xmlns:a16="http://schemas.microsoft.com/office/drawing/2014/main" id="{D1125474-4896-427D-91A8-5D778A081D7F}"/>
+              </a:ext>
+            </a:extLst>
+          </p:cNvPr>
+          <p:cNvSpPr/>
+          <p:nvPr/>
+        </p:nvSpPr>
+        <p:spPr>
+          <a:xfrm>
+            <a:off x="8627228" y="5845341"/>
+            <a:ext cx="2545056" cy="646331"/>
+          </a:xfrm>
+          <a:prstGeom prst="rect">
+            <a:avLst/>
+          </a:prstGeom>
+        </p:spPr>
+        <p:txBody>
+          <a:bodyPr wrap="none">
+            <a:spAutoFit/>
+          </a:bodyPr>
+          <a:lstStyle/>
+          <a:p>
+            <a:r>
+              <a:rPr lang="en-US" dirty="0">
+                <a:solidFill>
+                  <a:srgbClr val="000000"/>
+                </a:solidFill>
+                <a:latin typeface="Arial Nova Cond" panose="020B0506020202020204" pitchFamily="34" charset="0"/>
+              </a:rPr>
+              <a:t>Pearson r :</a:t>
+            </a:r>
+            <a:r>
+              <a:rPr lang="en-US" dirty="0">
+                <a:latin typeface="Arial Nova Cond" panose="020B0506020202020204" pitchFamily="34" charset="0"/>
+              </a:rPr>
+              <a:t> </a:t>
+            </a:r>
+            <a:r>
+              <a:rPr lang="en-US" dirty="0">
+                <a:solidFill>
+                  <a:srgbClr val="000000"/>
+                </a:solidFill>
+                <a:latin typeface="Arial Nova Cond" panose="020B0506020202020204" pitchFamily="34" charset="0"/>
+              </a:rPr>
+              <a:t>-0.465546108</a:t>
+            </a:r>
+          </a:p>
+          <a:p>
+            <a:r>
+              <a:rPr lang="en-US" dirty="0">
+                <a:solidFill>
+                  <a:srgbClr val="000000"/>
+                </a:solidFill>
+                <a:latin typeface="Arial Nova Cond" panose="020B0506020202020204" pitchFamily="34" charset="0"/>
+              </a:rPr>
+              <a:t>P Value :   </a:t>
+            </a:r>
+            <a:r>
+              <a:rPr lang="en-US" dirty="0">
+                <a:latin typeface="Arial Nova Cond" panose="020B0506020202020204" pitchFamily="34" charset="0"/>
+              </a:rPr>
+              <a:t> </a:t>
+            </a:r>
+            <a:r>
+              <a:rPr lang="en-US" dirty="0">
+                <a:solidFill>
+                  <a:srgbClr val="000000"/>
+                </a:solidFill>
+                <a:latin typeface="Arial Nova Cond" panose="020B0506020202020204" pitchFamily="34" charset="0"/>
+              </a:rPr>
+              <a:t>1.86E-08</a:t>
+            </a:r>
+            <a:r>
+              <a:rPr lang="en-US" dirty="0">
+                <a:latin typeface="Arial Nova Cond" panose="020B0506020202020204" pitchFamily="34" charset="0"/>
+              </a:rPr>
+              <a:t> </a:t>
+            </a:r>
           </a:p>
         </p:txBody>
       </p:sp>
@@ -4256,53 +4718,121 @@
           <a:chExt cx="0" cy="0"/>
         </a:xfrm>
       </p:grpSpPr>
-      <p:sp>
-        <p:nvSpPr>
-          <p:cNvPr id="2" name="Title 1">
+      <p:pic>
+        <p:nvPicPr>
+          <p:cNvPr id="7" name="Picture 6">
             <a:extLst>
               <a:ext uri="{FF2B5EF4-FFF2-40B4-BE49-F238E27FC236}">
-                <a16:creationId xmlns:a16="http://schemas.microsoft.com/office/drawing/2014/main" id="{1CE5AD1C-53EF-4018-BFFF-227A2B798BFD}"/>
+                <a16:creationId xmlns:a16="http://schemas.microsoft.com/office/drawing/2014/main" id="{58C2FCEF-92D6-493C-AB66-66529B49971E}"/>
               </a:ext>
             </a:extLst>
           </p:cNvPr>
-          <p:cNvSpPr>
-            <a:spLocks noGrp="1"/>
-          </p:cNvSpPr>
-          <p:nvPr>
-            <p:ph type="title"/>
-          </p:nvPr>
-        </p:nvSpPr>
-        <p:spPr/>
-        <p:txBody>
-          <a:bodyPr/>
-          <a:lstStyle/>
-          <a:p>
-            <a:endParaRPr lang="en-US"/>
-          </a:p>
-        </p:txBody>
-      </p:sp>
-      <p:sp>
-        <p:nvSpPr>
-          <p:cNvPr id="3" name="Content Placeholder 2">
+          <p:cNvPicPr>
+            <a:picLocks noChangeAspect="1"/>
+          </p:cNvPicPr>
+          <p:nvPr/>
+        </p:nvPicPr>
+        <p:blipFill>
+          <a:blip r:embed="rId2">
+            <a:extLst>
+              <a:ext uri="{28A0092B-C50C-407E-A947-70E740481C1C}">
+                <a14:useLocalDpi xmlns:a14="http://schemas.microsoft.com/office/drawing/2010/main" val="0"/>
+              </a:ext>
+            </a:extLst>
+          </a:blip>
+          <a:stretch>
+            <a:fillRect/>
+          </a:stretch>
+        </p:blipFill>
+        <p:spPr>
+          <a:xfrm>
+            <a:off x="465151" y="95250"/>
+            <a:ext cx="8642350" cy="6667500"/>
+          </a:xfrm>
+          <a:prstGeom prst="rect">
+            <a:avLst/>
+          </a:prstGeom>
+        </p:spPr>
+      </p:pic>
+      <p:sp>
+        <p:nvSpPr>
+          <p:cNvPr id="9" name="TextBox 8">
             <a:extLst>
               <a:ext uri="{FF2B5EF4-FFF2-40B4-BE49-F238E27FC236}">
-                <a16:creationId xmlns:a16="http://schemas.microsoft.com/office/drawing/2014/main" id="{E957F352-35AC-4F23-8586-582CBFBC555E}"/>
+                <a16:creationId xmlns:a16="http://schemas.microsoft.com/office/drawing/2014/main" id="{12BFC674-039B-4EF1-BCB8-ECD29BCA7808}"/>
               </a:ext>
             </a:extLst>
           </p:cNvPr>
-          <p:cNvSpPr>
-            <a:spLocks noGrp="1"/>
-          </p:cNvSpPr>
-          <p:nvPr>
-            <p:ph idx="1"/>
-          </p:nvPr>
-        </p:nvSpPr>
-        <p:spPr/>
-        <p:txBody>
-          <a:bodyPr/>
-          <a:lstStyle/>
-          <a:p>
-            <a:endParaRPr lang="en-US"/>
+          <p:cNvSpPr txBox="1"/>
+          <p:nvPr/>
+        </p:nvSpPr>
+        <p:spPr>
+          <a:xfrm>
+            <a:off x="8296081" y="3105835"/>
+            <a:ext cx="3058381" cy="1200329"/>
+          </a:xfrm>
+          <a:prstGeom prst="rect">
+            <a:avLst/>
+          </a:prstGeom>
+          <a:noFill/>
+        </p:spPr>
+        <p:txBody>
+          <a:bodyPr wrap="square" rtlCol="0">
+            <a:spAutoFit/>
+          </a:bodyPr>
+          <a:lstStyle/>
+          <a:p>
+            <a:pPr algn="ctr"/>
+            <a:r>
+              <a:rPr lang="en-US" dirty="0">
+                <a:latin typeface="Arial Nova Cond" panose="020B0506020202020204" pitchFamily="34" charset="0"/>
+              </a:rPr>
+              <a:t>The median household income in North Bethesda, MD is nearly 2x the US average. ($103,000)</a:t>
+            </a:r>
+          </a:p>
+        </p:txBody>
+      </p:sp>
+      <p:sp>
+        <p:nvSpPr>
+          <p:cNvPr id="10" name="Rectangle 9">
+            <a:extLst>
+              <a:ext uri="{FF2B5EF4-FFF2-40B4-BE49-F238E27FC236}">
+                <a16:creationId xmlns:a16="http://schemas.microsoft.com/office/drawing/2014/main" id="{95500E2A-0039-4AA0-B966-50A1C217241D}"/>
+              </a:ext>
+            </a:extLst>
+          </p:cNvPr>
+          <p:cNvSpPr/>
+          <p:nvPr/>
+        </p:nvSpPr>
+        <p:spPr>
+          <a:xfrm>
+            <a:off x="8296081" y="5841083"/>
+            <a:ext cx="6096000" cy="646331"/>
+          </a:xfrm>
+          <a:prstGeom prst="rect">
+            <a:avLst/>
+          </a:prstGeom>
+        </p:spPr>
+        <p:txBody>
+          <a:bodyPr>
+            <a:spAutoFit/>
+          </a:bodyPr>
+          <a:lstStyle/>
+          <a:p>
+            <a:r>
+              <a:rPr lang="en-US" dirty="0">
+                <a:latin typeface="Arial Nova Cond" panose="020B0506020202020204" pitchFamily="34" charset="0"/>
+              </a:rPr>
+              <a:t>Pearson r : 0</a:t>
+            </a:r>
+          </a:p>
+          <a:p>
+            <a:r>
+              <a:rPr lang="en-US" dirty="0">
+                <a:latin typeface="Arial Nova Cond" panose="020B0506020202020204" pitchFamily="34" charset="0"/>
+              </a:rPr>
+              <a:t>P Value :    1 </a:t>
+            </a:r>
           </a:p>
         </p:txBody>
       </p:sp>
@@ -4336,53 +4866,168 @@
           <a:chExt cx="0" cy="0"/>
         </a:xfrm>
       </p:grpSpPr>
-      <p:sp>
-        <p:nvSpPr>
-          <p:cNvPr id="2" name="Title 1">
+      <p:pic>
+        <p:nvPicPr>
+          <p:cNvPr id="5" name="Picture 4">
             <a:extLst>
               <a:ext uri="{FF2B5EF4-FFF2-40B4-BE49-F238E27FC236}">
-                <a16:creationId xmlns:a16="http://schemas.microsoft.com/office/drawing/2014/main" id="{5A9C9646-C9A6-4780-BA74-BF19F3F72ECE}"/>
+                <a16:creationId xmlns:a16="http://schemas.microsoft.com/office/drawing/2014/main" id="{83528629-1DCE-4A3B-A590-14D834D1DECB}"/>
               </a:ext>
             </a:extLst>
           </p:cNvPr>
-          <p:cNvSpPr>
-            <a:spLocks noGrp="1"/>
-          </p:cNvSpPr>
-          <p:nvPr>
-            <p:ph type="title"/>
-          </p:nvPr>
-        </p:nvSpPr>
-        <p:spPr/>
-        <p:txBody>
-          <a:bodyPr/>
-          <a:lstStyle/>
-          <a:p>
-            <a:endParaRPr lang="en-US"/>
-          </a:p>
-        </p:txBody>
-      </p:sp>
-      <p:sp>
-        <p:nvSpPr>
-          <p:cNvPr id="3" name="Content Placeholder 2">
+          <p:cNvPicPr>
+            <a:picLocks noChangeAspect="1"/>
+          </p:cNvPicPr>
+          <p:nvPr/>
+        </p:nvPicPr>
+        <p:blipFill>
+          <a:blip r:embed="rId2">
+            <a:extLst>
+              <a:ext uri="{28A0092B-C50C-407E-A947-70E740481C1C}">
+                <a14:useLocalDpi xmlns:a14="http://schemas.microsoft.com/office/drawing/2010/main" val="0"/>
+              </a:ext>
+            </a:extLst>
+          </a:blip>
+          <a:stretch>
+            <a:fillRect/>
+          </a:stretch>
+        </p:blipFill>
+        <p:spPr>
+          <a:xfrm>
+            <a:off x="307283" y="0"/>
+            <a:ext cx="8814630" cy="6860224"/>
+          </a:xfrm>
+          <a:prstGeom prst="rect">
+            <a:avLst/>
+          </a:prstGeom>
+        </p:spPr>
+      </p:pic>
+      <p:sp>
+        <p:nvSpPr>
+          <p:cNvPr id="6" name="Rectangle 5">
             <a:extLst>
               <a:ext uri="{FF2B5EF4-FFF2-40B4-BE49-F238E27FC236}">
-                <a16:creationId xmlns:a16="http://schemas.microsoft.com/office/drawing/2014/main" id="{155E2E7F-C322-4FE1-97C3-0F2847973D42}"/>
+                <a16:creationId xmlns:a16="http://schemas.microsoft.com/office/drawing/2014/main" id="{CF9FA9FC-F7A7-4200-ACDA-015DA238B64D}"/>
               </a:ext>
             </a:extLst>
           </p:cNvPr>
-          <p:cNvSpPr>
-            <a:spLocks noGrp="1"/>
-          </p:cNvSpPr>
-          <p:nvPr>
-            <p:ph idx="1"/>
-          </p:nvPr>
-        </p:nvSpPr>
-        <p:spPr/>
-        <p:txBody>
-          <a:bodyPr/>
-          <a:lstStyle/>
-          <a:p>
-            <a:endParaRPr lang="en-US"/>
+          <p:cNvSpPr/>
+          <p:nvPr/>
+        </p:nvSpPr>
+        <p:spPr>
+          <a:xfrm>
+            <a:off x="8390393" y="5657671"/>
+            <a:ext cx="2416815" cy="1200329"/>
+          </a:xfrm>
+          <a:prstGeom prst="rect">
+            <a:avLst/>
+          </a:prstGeom>
+        </p:spPr>
+        <p:txBody>
+          <a:bodyPr wrap="none">
+            <a:spAutoFit/>
+          </a:bodyPr>
+          <a:lstStyle/>
+          <a:p>
+            <a:endParaRPr lang="en-US" dirty="0"/>
+          </a:p>
+          <a:p>
+            <a:r>
+              <a:rPr lang="en-US" dirty="0">
+                <a:latin typeface="Arial Nova Cond" panose="020B0506020202020204" pitchFamily="34" charset="0"/>
+              </a:rPr>
+              <a:t>Pearson r : </a:t>
+            </a:r>
+            <a:r>
+              <a:rPr lang="en-US" dirty="0">
+                <a:solidFill>
+                  <a:srgbClr val="000000"/>
+                </a:solidFill>
+                <a:latin typeface="Arial Nova Cond" panose="020B0506020202020204" pitchFamily="34" charset="0"/>
+              </a:rPr>
+              <a:t>0.78985244 </a:t>
+            </a:r>
+          </a:p>
+          <a:p>
+            <a:r>
+              <a:rPr lang="en-US" dirty="0">
+                <a:latin typeface="Arial Nova Cond" panose="020B0506020202020204" pitchFamily="34" charset="0"/>
+              </a:rPr>
+              <a:t>P Value : </a:t>
+            </a:r>
+            <a:r>
+              <a:rPr lang="en-US" dirty="0">
+                <a:solidFill>
+                  <a:srgbClr val="000000"/>
+                </a:solidFill>
+                <a:latin typeface="Arial Nova Cond" panose="020B0506020202020204" pitchFamily="34" charset="0"/>
+              </a:rPr>
+              <a:t>2.20E-29</a:t>
+            </a:r>
+            <a:r>
+              <a:rPr lang="en-US" dirty="0">
+                <a:latin typeface="Arial Nova Cond" panose="020B0506020202020204" pitchFamily="34" charset="0"/>
+              </a:rPr>
+              <a:t> </a:t>
+            </a:r>
+          </a:p>
+          <a:p>
+            <a:endParaRPr lang="en-US" dirty="0"/>
+          </a:p>
+        </p:txBody>
+      </p:sp>
+      <p:sp>
+        <p:nvSpPr>
+          <p:cNvPr id="7" name="Rectangle 6">
+            <a:extLst>
+              <a:ext uri="{FF2B5EF4-FFF2-40B4-BE49-F238E27FC236}">
+                <a16:creationId xmlns:a16="http://schemas.microsoft.com/office/drawing/2014/main" id="{93AC7A75-5B10-4760-9104-251B4578E985}"/>
+              </a:ext>
+            </a:extLst>
+          </p:cNvPr>
+          <p:cNvSpPr/>
+          <p:nvPr/>
+        </p:nvSpPr>
+        <p:spPr>
+          <a:xfrm>
+            <a:off x="8390393" y="3101009"/>
+            <a:ext cx="2876606" cy="1477328"/>
+          </a:xfrm>
+          <a:prstGeom prst="rect">
+            <a:avLst/>
+          </a:prstGeom>
+        </p:spPr>
+        <p:txBody>
+          <a:bodyPr wrap="square">
+            <a:spAutoFit/>
+          </a:bodyPr>
+          <a:lstStyle/>
+          <a:p>
+            <a:r>
+              <a:rPr lang="en-US" dirty="0">
+                <a:latin typeface="Arial Nova Cond" panose="020B0506020202020204" pitchFamily="34" charset="0"/>
+              </a:rPr>
+              <a:t>Humana is the 2</a:t>
+            </a:r>
+            <a:r>
+              <a:rPr lang="en-US" baseline="30000" dirty="0">
+                <a:latin typeface="Arial Nova Cond" panose="020B0506020202020204" pitchFamily="34" charset="0"/>
+              </a:rPr>
+              <a:t>nd</a:t>
+            </a:r>
+            <a:r>
+              <a:rPr lang="en-US" dirty="0">
+                <a:latin typeface="Arial Nova Cond" panose="020B0506020202020204" pitchFamily="34" charset="0"/>
+              </a:rPr>
+              <a:t> largest employer in Louisville, KY. (9,854)</a:t>
+            </a:r>
+            <a:endParaRPr lang="en-US" dirty="0"/>
+          </a:p>
+          <a:p>
+            <a:endParaRPr lang="en-US" dirty="0"/>
+          </a:p>
+          <a:p>
+            <a:endParaRPr lang="en-US" dirty="0"/>
           </a:p>
         </p:txBody>
       </p:sp>
